--- a/papers/Case2016/pictures/pdf/CoverPhoto copy 2.pptx
+++ b/papers/Case2016/pictures/pdf/CoverPhoto copy 2.pptx
@@ -288,7 +288,7 @@
           <a:p>
             <a:fld id="{11760CE0-2B69-B54B-8FC7-76920B86A41F}" type="datetimeFigureOut">
               <a:rPr lang="en-US" smtClean="0"/>
-              <a:t>3/27/16</a:t>
+              <a:t>4/21/16</a:t>
             </a:fld>
             <a:endParaRPr lang="en-US"/>
           </a:p>
@@ -458,7 +458,7 @@
           <a:p>
             <a:fld id="{11760CE0-2B69-B54B-8FC7-76920B86A41F}" type="datetimeFigureOut">
               <a:rPr lang="en-US" smtClean="0"/>
-              <a:t>3/27/16</a:t>
+              <a:t>4/21/16</a:t>
             </a:fld>
             <a:endParaRPr lang="en-US"/>
           </a:p>
@@ -638,7 +638,7 @@
           <a:p>
             <a:fld id="{11760CE0-2B69-B54B-8FC7-76920B86A41F}" type="datetimeFigureOut">
               <a:rPr lang="en-US" smtClean="0"/>
-              <a:t>3/27/16</a:t>
+              <a:t>4/21/16</a:t>
             </a:fld>
             <a:endParaRPr lang="en-US"/>
           </a:p>
@@ -808,7 +808,7 @@
           <a:p>
             <a:fld id="{11760CE0-2B69-B54B-8FC7-76920B86A41F}" type="datetimeFigureOut">
               <a:rPr lang="en-US" smtClean="0"/>
-              <a:t>3/27/16</a:t>
+              <a:t>4/21/16</a:t>
             </a:fld>
             <a:endParaRPr lang="en-US"/>
           </a:p>
@@ -1054,7 +1054,7 @@
           <a:p>
             <a:fld id="{11760CE0-2B69-B54B-8FC7-76920B86A41F}" type="datetimeFigureOut">
               <a:rPr lang="en-US" smtClean="0"/>
-              <a:t>3/27/16</a:t>
+              <a:t>4/21/16</a:t>
             </a:fld>
             <a:endParaRPr lang="en-US"/>
           </a:p>
@@ -1342,7 +1342,7 @@
           <a:p>
             <a:fld id="{11760CE0-2B69-B54B-8FC7-76920B86A41F}" type="datetimeFigureOut">
               <a:rPr lang="en-US" smtClean="0"/>
-              <a:t>3/27/16</a:t>
+              <a:t>4/21/16</a:t>
             </a:fld>
             <a:endParaRPr lang="en-US"/>
           </a:p>
@@ -1769,7 +1769,7 @@
           <a:p>
             <a:fld id="{11760CE0-2B69-B54B-8FC7-76920B86A41F}" type="datetimeFigureOut">
               <a:rPr lang="en-US" smtClean="0"/>
-              <a:t>3/27/16</a:t>
+              <a:t>4/21/16</a:t>
             </a:fld>
             <a:endParaRPr lang="en-US"/>
           </a:p>
@@ -1887,7 +1887,7 @@
           <a:p>
             <a:fld id="{11760CE0-2B69-B54B-8FC7-76920B86A41F}" type="datetimeFigureOut">
               <a:rPr lang="en-US" smtClean="0"/>
-              <a:t>3/27/16</a:t>
+              <a:t>4/21/16</a:t>
             </a:fld>
             <a:endParaRPr lang="en-US"/>
           </a:p>
@@ -1982,7 +1982,7 @@
           <a:p>
             <a:fld id="{11760CE0-2B69-B54B-8FC7-76920B86A41F}" type="datetimeFigureOut">
               <a:rPr lang="en-US" smtClean="0"/>
-              <a:t>3/27/16</a:t>
+              <a:t>4/21/16</a:t>
             </a:fld>
             <a:endParaRPr lang="en-US"/>
           </a:p>
@@ -2259,7 +2259,7 @@
           <a:p>
             <a:fld id="{11760CE0-2B69-B54B-8FC7-76920B86A41F}" type="datetimeFigureOut">
               <a:rPr lang="en-US" smtClean="0"/>
-              <a:t>3/27/16</a:t>
+              <a:t>4/21/16</a:t>
             </a:fld>
             <a:endParaRPr lang="en-US"/>
           </a:p>
@@ -2512,7 +2512,7 @@
           <a:p>
             <a:fld id="{11760CE0-2B69-B54B-8FC7-76920B86A41F}" type="datetimeFigureOut">
               <a:rPr lang="en-US" smtClean="0"/>
-              <a:t>3/27/16</a:t>
+              <a:t>4/21/16</a:t>
             </a:fld>
             <a:endParaRPr lang="en-US"/>
           </a:p>
@@ -2725,7 +2725,7 @@
           <a:p>
             <a:fld id="{11760CE0-2B69-B54B-8FC7-76920B86A41F}" type="datetimeFigureOut">
               <a:rPr lang="en-US" smtClean="0"/>
-              <a:t>3/27/16</a:t>
+              <a:t>4/21/16</a:t>
             </a:fld>
             <a:endParaRPr lang="en-US"/>
           </a:p>
@@ -3918,11 +3918,11 @@
           <a:lstStyle/>
           <a:p>
             <a:r>
-              <a:rPr lang="en-US" i="1" dirty="0" smtClean="0">
+              <a:rPr lang="en-US" i="1" dirty="0">
                 <a:latin typeface="Times New Roman"/>
                 <a:cs typeface="Times New Roman"/>
               </a:rPr>
-              <a:t>r</a:t>
+              <a:t>C</a:t>
             </a:r>
             <a:endParaRPr lang="en-US" i="1" dirty="0">
               <a:latin typeface="Times New Roman"/>

--- a/papers/Case2016/pictures/pdf/CoverPhoto copy 2.pptx
+++ b/papers/Case2016/pictures/pdf/CoverPhoto copy 2.pptx
@@ -3918,16 +3918,12 @@
           <a:lstStyle/>
           <a:p>
             <a:r>
-              <a:rPr lang="en-US" i="1" dirty="0">
-                <a:latin typeface="Times New Roman"/>
-                <a:cs typeface="Times New Roman"/>
+              <a:rPr lang="en-US" dirty="0">
+                <a:latin typeface="Calibri"/>
+                <a:cs typeface="Calibri"/>
               </a:rPr>
               <a:t>C</a:t>
             </a:r>
-            <a:endParaRPr lang="en-US" i="1" dirty="0">
-              <a:latin typeface="Times New Roman"/>
-              <a:cs typeface="Times New Roman"/>
-            </a:endParaRPr>
           </a:p>
         </p:txBody>
       </p:sp>
